--- a/Lecture Slides/DDCA_Ch2.pptx
+++ b/Lecture Slides/DDCA_Ch2.pptx
@@ -289,7 +289,7 @@
           <a:p>
             <a:fld id="{8ABD5E47-F045-4C01-A154-66E3997AD169}" type="datetimeFigureOut">
               <a:rPr lang="en-US" smtClean="0"/>
-              <a:t>8/30/17</a:t>
+              <a:t>9/1/17</a:t>
             </a:fld>
             <a:endParaRPr lang="en-US"/>
           </a:p>
@@ -6503,7 +6503,35 @@
           <a:bodyPr/>
           <a:lstStyle/>
           <a:p>
-            <a:endParaRPr lang="en-US"/>
+            <a:r>
+              <a:rPr lang="en-US" dirty="0" smtClean="0"/>
+              <a:t>Bar</a:t>
+            </a:r>
+            <a:r>
+              <a:rPr lang="en-US" baseline="0" dirty="0" smtClean="0"/>
+              <a:t> A = !A</a:t>
+            </a:r>
+          </a:p>
+          <a:p>
+            <a:r>
+              <a:rPr lang="en-US" baseline="0" dirty="0" err="1" smtClean="0"/>
+              <a:t>Minterm</a:t>
+            </a:r>
+            <a:r>
+              <a:rPr lang="en-US" baseline="0" dirty="0" smtClean="0"/>
+              <a:t> is product</a:t>
+            </a:r>
+          </a:p>
+          <a:p>
+            <a:r>
+              <a:rPr lang="en-US" baseline="0" dirty="0" err="1" smtClean="0"/>
+              <a:t>Maxterm</a:t>
+            </a:r>
+            <a:r>
+              <a:rPr lang="en-US" baseline="0" dirty="0" smtClean="0"/>
+              <a:t> is the or</a:t>
+            </a:r>
+            <a:endParaRPr lang="en-US" dirty="0"/>
           </a:p>
         </p:txBody>
       </p:sp>
@@ -10288,7 +10316,7 @@
           <a:p>
             <a:fld id="{10746080-453C-4BEF-9A1F-F094B996EB79}" type="datetimeFigureOut">
               <a:rPr lang="en-US" smtClean="0"/>
-              <a:t>8/30/17</a:t>
+              <a:t>9/1/17</a:t>
             </a:fld>
             <a:endParaRPr lang="en-US"/>
           </a:p>
@@ -11391,7 +11419,7 @@
           <a:graphicData uri="http://schemas.openxmlformats.org/presentationml/2006/ole">
             <mc:AlternateContent xmlns:mc="http://schemas.openxmlformats.org/markup-compatibility/2006">
               <mc:Choice xmlns:v="urn:schemas-microsoft-com:vml" Requires="v">
-                <p:oleObj spid="_x0000_s59422" name="VISIO" r:id="rId8" imgW="1766520" imgH="808560" progId="Visio.Drawing.6">
+                <p:oleObj spid="_x0000_s59424" name="VISIO" r:id="rId8" imgW="1766520" imgH="808560" progId="Visio.Drawing.6">
                   <p:embed/>
                 </p:oleObj>
               </mc:Choice>
@@ -12126,7 +12154,7 @@
           <a:graphicData uri="http://schemas.openxmlformats.org/presentationml/2006/ole">
             <mc:AlternateContent xmlns:mc="http://schemas.openxmlformats.org/markup-compatibility/2006">
               <mc:Choice xmlns:v="urn:schemas-microsoft-com:vml" Requires="v">
-                <p:oleObj spid="_x0000_s114712" name="VISIO" r:id="rId9" imgW="1766520" imgH="808560" progId="Visio.Drawing.6">
+                <p:oleObj spid="_x0000_s114714" name="VISIO" r:id="rId9" imgW="1766520" imgH="808560" progId="Visio.Drawing.6">
                   <p:embed/>
                 </p:oleObj>
               </mc:Choice>
@@ -12858,7 +12886,7 @@
           <a:graphicData uri="http://schemas.openxmlformats.org/presentationml/2006/ole">
             <mc:AlternateContent xmlns:mc="http://schemas.openxmlformats.org/markup-compatibility/2006">
               <mc:Choice xmlns:v="urn:schemas-microsoft-com:vml" Requires="v">
-                <p:oleObj spid="_x0000_s61468" name="VISIO" r:id="rId8" imgW="1794960" imgH="844560" progId="Visio.Drawing.6">
+                <p:oleObj spid="_x0000_s61470" name="VISIO" r:id="rId8" imgW="1794960" imgH="844560" progId="Visio.Drawing.6">
                   <p:embed/>
                 </p:oleObj>
               </mc:Choice>
@@ -13015,7 +13043,7 @@
           <a:graphicData uri="http://schemas.openxmlformats.org/presentationml/2006/ole">
             <mc:AlternateContent xmlns:mc="http://schemas.openxmlformats.org/markup-compatibility/2006">
               <mc:Choice xmlns:v="urn:schemas-microsoft-com:vml" Requires="v">
-                <p:oleObj spid="_x0000_s62491" name="VISIO" r:id="rId8" imgW="732600" imgH="752040" progId="Visio.Drawing.6">
+                <p:oleObj spid="_x0000_s62493" name="VISIO" r:id="rId8" imgW="732600" imgH="752040" progId="Visio.Drawing.6">
                   <p:embed/>
                 </p:oleObj>
               </mc:Choice>
@@ -13364,7 +13392,7 @@
           <a:graphicData uri="http://schemas.openxmlformats.org/presentationml/2006/ole">
             <mc:AlternateContent xmlns:mc="http://schemas.openxmlformats.org/markup-compatibility/2006">
               <mc:Choice xmlns:v="urn:schemas-microsoft-com:vml" Requires="v">
-                <p:oleObj spid="_x0000_s63515" name="VISIO" r:id="rId8" imgW="732600" imgH="752040" progId="Visio.Drawing.6">
+                <p:oleObj spid="_x0000_s63517" name="VISIO" r:id="rId8" imgW="732600" imgH="752040" progId="Visio.Drawing.6">
                   <p:embed/>
                 </p:oleObj>
               </mc:Choice>
@@ -13737,7 +13765,7 @@
           <a:graphicData uri="http://schemas.openxmlformats.org/presentationml/2006/ole">
             <mc:AlternateContent xmlns:mc="http://schemas.openxmlformats.org/markup-compatibility/2006">
               <mc:Choice xmlns:v="urn:schemas-microsoft-com:vml" Requires="v">
-                <p:oleObj spid="_x0000_s64561" name="VISIO" r:id="rId8" imgW="1280880" imgH="737640" progId="Visio.Drawing.6">
+                <p:oleObj spid="_x0000_s64564" name="VISIO" r:id="rId8" imgW="1280880" imgH="737640" progId="Visio.Drawing.6">
                   <p:embed/>
                 </p:oleObj>
               </mc:Choice>
@@ -13839,7 +13867,7 @@
           <a:graphicData uri="http://schemas.openxmlformats.org/presentationml/2006/ole">
             <mc:AlternateContent xmlns:mc="http://schemas.openxmlformats.org/markup-compatibility/2006">
               <mc:Choice xmlns:v="urn:schemas-microsoft-com:vml" Requires="v">
-                <p:oleObj spid="_x0000_s64562" name="VISIO" r:id="rId10" imgW="1287720" imgH="757080" progId="Visio.Drawing.6">
+                <p:oleObj spid="_x0000_s64565" name="VISIO" r:id="rId10" imgW="1287720" imgH="757080" progId="Visio.Drawing.6">
                   <p:embed/>
                 </p:oleObj>
               </mc:Choice>
@@ -14022,7 +14050,7 @@
           <a:graphicData uri="http://schemas.openxmlformats.org/presentationml/2006/ole">
             <mc:AlternateContent xmlns:mc="http://schemas.openxmlformats.org/markup-compatibility/2006">
               <mc:Choice xmlns:v="urn:schemas-microsoft-com:vml" Requires="v">
-                <p:oleObj spid="_x0000_s65589" name="VISIO" r:id="rId13" imgW="1287720" imgH="757080" progId="Visio.Drawing.6">
+                <p:oleObj spid="_x0000_s65592" name="VISIO" r:id="rId13" imgW="1287720" imgH="757080" progId="Visio.Drawing.6">
                   <p:embed/>
                 </p:oleObj>
               </mc:Choice>
@@ -14119,7 +14147,7 @@
           <a:graphicData uri="http://schemas.openxmlformats.org/presentationml/2006/ole">
             <mc:AlternateContent xmlns:mc="http://schemas.openxmlformats.org/markup-compatibility/2006">
               <mc:Choice xmlns:v="urn:schemas-microsoft-com:vml" Requires="v">
-                <p:oleObj spid="_x0000_s65590" name="VISIO" r:id="rId15" imgW="1280880" imgH="752040" progId="Visio.Drawing.6">
+                <p:oleObj spid="_x0000_s65593" name="VISIO" r:id="rId15" imgW="1280880" imgH="752040" progId="Visio.Drawing.6">
                   <p:embed/>
                 </p:oleObj>
               </mc:Choice>
@@ -15544,7 +15572,7 @@
           <a:graphicData uri="http://schemas.openxmlformats.org/presentationml/2006/ole">
             <mc:AlternateContent xmlns:mc="http://schemas.openxmlformats.org/markup-compatibility/2006">
               <mc:Choice xmlns:v="urn:schemas-microsoft-com:vml" Requires="v">
-                <p:oleObj spid="_x0000_s115732" name="VISIO" r:id="rId7" imgW="1412280" imgH="971280" progId="Visio.Drawing.6">
+                <p:oleObj spid="_x0000_s115734" name="VISIO" r:id="rId7" imgW="1412280" imgH="971280" progId="Visio.Drawing.6">
                   <p:embed/>
                 </p:oleObj>
               </mc:Choice>
@@ -16089,7 +16117,7 @@
           <a:graphicData uri="http://schemas.openxmlformats.org/presentationml/2006/ole">
             <mc:AlternateContent xmlns:mc="http://schemas.openxmlformats.org/markup-compatibility/2006">
               <mc:Choice xmlns:v="urn:schemas-microsoft-com:vml" Requires="v">
-                <p:oleObj spid="_x0000_s116756" name="VISIO" r:id="rId7" imgW="1412280" imgH="971280" progId="Visio.Drawing.6">
+                <p:oleObj spid="_x0000_s116758" name="VISIO" r:id="rId7" imgW="1412280" imgH="971280" progId="Visio.Drawing.6">
                   <p:embed/>
                 </p:oleObj>
               </mc:Choice>
@@ -16633,7 +16661,7 @@
           <a:graphicData uri="http://schemas.openxmlformats.org/presentationml/2006/ole">
             <mc:AlternateContent xmlns:mc="http://schemas.openxmlformats.org/markup-compatibility/2006">
               <mc:Choice xmlns:v="urn:schemas-microsoft-com:vml" Requires="v">
-                <p:oleObj spid="_x0000_s117780" name="VISIO" r:id="rId7" imgW="1412280" imgH="971280" progId="Visio.Drawing.6">
+                <p:oleObj spid="_x0000_s117782" name="VISIO" r:id="rId7" imgW="1412280" imgH="971280" progId="Visio.Drawing.6">
                   <p:embed/>
                 </p:oleObj>
               </mc:Choice>
@@ -17219,7 +17247,7 @@
           <a:graphicData uri="http://schemas.openxmlformats.org/presentationml/2006/ole">
             <mc:AlternateContent xmlns:mc="http://schemas.openxmlformats.org/markup-compatibility/2006">
               <mc:Choice xmlns:v="urn:schemas-microsoft-com:vml" Requires="v">
-                <p:oleObj spid="_x0000_s118804" name="VISIO" r:id="rId8" imgW="1612440" imgH="332640" progId="Visio.Drawing.6">
+                <p:oleObj spid="_x0000_s118806" name="VISIO" r:id="rId8" imgW="1612440" imgH="332640" progId="Visio.Drawing.6">
                   <p:embed/>
                 </p:oleObj>
               </mc:Choice>
@@ -17897,7 +17925,7 @@
           <a:graphicData uri="http://schemas.openxmlformats.org/presentationml/2006/ole">
             <mc:AlternateContent xmlns:mc="http://schemas.openxmlformats.org/markup-compatibility/2006">
               <mc:Choice xmlns:v="urn:schemas-microsoft-com:vml" Requires="v">
-                <p:oleObj spid="_x0000_s119828" name="VISIO" r:id="rId9" imgW="1298160" imgH="842760" progId="Visio.Drawing.6">
+                <p:oleObj spid="_x0000_s119830" name="VISIO" r:id="rId9" imgW="1298160" imgH="842760" progId="Visio.Drawing.6">
                   <p:embed/>
                 </p:oleObj>
               </mc:Choice>
@@ -18482,7 +18510,7 @@
           <a:graphicData uri="http://schemas.openxmlformats.org/presentationml/2006/ole">
             <mc:AlternateContent xmlns:mc="http://schemas.openxmlformats.org/markup-compatibility/2006">
               <mc:Choice xmlns:v="urn:schemas-microsoft-com:vml" Requires="v">
-                <p:oleObj spid="_x0000_s53276" name="VISIO" r:id="rId6" imgW="1890000" imgH="504000" progId="Visio.Drawing.6">
+                <p:oleObj spid="_x0000_s53278" name="VISIO" r:id="rId6" imgW="1890000" imgH="504000" progId="Visio.Drawing.6">
                   <p:embed/>
                 </p:oleObj>
               </mc:Choice>
@@ -20121,7 +20149,7 @@
           <a:graphicData uri="http://schemas.openxmlformats.org/presentationml/2006/ole">
             <mc:AlternateContent xmlns:mc="http://schemas.openxmlformats.org/markup-compatibility/2006">
               <mc:Choice xmlns:v="urn:schemas-microsoft-com:vml" Requires="v">
-                <p:oleObj spid="_x0000_s71731" name="VISIO" r:id="rId14" imgW="838800" imgH="714240" progId="Visio.Drawing.6">
+                <p:oleObj spid="_x0000_s71734" name="VISIO" r:id="rId14" imgW="838800" imgH="714240" progId="Visio.Drawing.6">
                   <p:embed/>
                 </p:oleObj>
               </mc:Choice>
@@ -20224,7 +20252,7 @@
           <a:graphicData uri="http://schemas.openxmlformats.org/presentationml/2006/ole">
             <mc:AlternateContent xmlns:mc="http://schemas.openxmlformats.org/markup-compatibility/2006">
               <mc:Choice xmlns:v="urn:schemas-microsoft-com:vml" Requires="v">
-                <p:oleObj spid="_x0000_s71732" name="VISIO" r:id="rId16" imgW="838800" imgH="714240" progId="Visio.Drawing.6">
+                <p:oleObj spid="_x0000_s71735" name="VISIO" r:id="rId16" imgW="838800" imgH="714240" progId="Visio.Drawing.6">
                   <p:embed/>
                 </p:oleObj>
               </mc:Choice>
@@ -20872,7 +20900,7 @@
           <a:graphicData uri="http://schemas.openxmlformats.org/presentationml/2006/ole">
             <mc:AlternateContent xmlns:mc="http://schemas.openxmlformats.org/markup-compatibility/2006">
               <mc:Choice xmlns:v="urn:schemas-microsoft-com:vml" Requires="v">
-                <p:oleObj spid="_x0000_s72755" name="VISIO" r:id="rId7" imgW="1685880" imgH="371520" progId="Visio.Drawing.6">
+                <p:oleObj spid="_x0000_s72758" name="VISIO" r:id="rId7" imgW="1685880" imgH="371520" progId="Visio.Drawing.6">
                   <p:embed/>
                 </p:oleObj>
               </mc:Choice>
@@ -20975,7 +21003,7 @@
           <a:graphicData uri="http://schemas.openxmlformats.org/presentationml/2006/ole">
             <mc:AlternateContent xmlns:mc="http://schemas.openxmlformats.org/markup-compatibility/2006">
               <mc:Choice xmlns:v="urn:schemas-microsoft-com:vml" Requires="v">
-                <p:oleObj spid="_x0000_s72756" name="VISIO" r:id="rId9" imgW="1685880" imgH="371520" progId="Visio.Drawing.6">
+                <p:oleObj spid="_x0000_s72759" name="VISIO" r:id="rId9" imgW="1685880" imgH="371520" progId="Visio.Drawing.6">
                   <p:embed/>
                 </p:oleObj>
               </mc:Choice>
@@ -21156,7 +21184,7 @@
           <a:graphicData uri="http://schemas.openxmlformats.org/presentationml/2006/ole">
             <mc:AlternateContent xmlns:mc="http://schemas.openxmlformats.org/markup-compatibility/2006">
               <mc:Choice xmlns:v="urn:schemas-microsoft-com:vml" Requires="v">
-                <p:oleObj spid="_x0000_s73755" name="VISIO" r:id="rId6" imgW="1407240" imgH="714240" progId="Visio.Drawing.6">
+                <p:oleObj spid="_x0000_s73757" name="VISIO" r:id="rId6" imgW="1407240" imgH="714240" progId="Visio.Drawing.6">
                   <p:embed/>
                 </p:oleObj>
               </mc:Choice>
@@ -21464,7 +21492,7 @@
           <a:graphicData uri="http://schemas.openxmlformats.org/presentationml/2006/ole">
             <mc:AlternateContent xmlns:mc="http://schemas.openxmlformats.org/markup-compatibility/2006">
               <mc:Choice xmlns:v="urn:schemas-microsoft-com:vml" Requires="v">
-                <p:oleObj spid="_x0000_s74779" name="VISIO" r:id="rId7" imgW="1407240" imgH="714240" progId="Visio.Drawing.6">
+                <p:oleObj spid="_x0000_s74781" name="VISIO" r:id="rId7" imgW="1407240" imgH="714240" progId="Visio.Drawing.6">
                   <p:embed/>
                 </p:oleObj>
               </mc:Choice>
@@ -21866,7 +21894,7 @@
           <a:graphicData uri="http://schemas.openxmlformats.org/presentationml/2006/ole">
             <mc:AlternateContent xmlns:mc="http://schemas.openxmlformats.org/markup-compatibility/2006">
               <mc:Choice xmlns:v="urn:schemas-microsoft-com:vml" Requires="v">
-                <p:oleObj spid="_x0000_s75803" name="VISIO" r:id="rId6" imgW="2064600" imgH="771480" progId="Visio.Drawing.6">
+                <p:oleObj spid="_x0000_s75805" name="VISIO" r:id="rId6" imgW="2064600" imgH="771480" progId="Visio.Drawing.6">
                   <p:embed/>
                 </p:oleObj>
               </mc:Choice>
@@ -22333,7 +22361,7 @@
           <a:graphicData uri="http://schemas.openxmlformats.org/presentationml/2006/ole">
             <mc:AlternateContent xmlns:mc="http://schemas.openxmlformats.org/markup-compatibility/2006">
               <mc:Choice xmlns:v="urn:schemas-microsoft-com:vml" Requires="v">
-                <p:oleObj spid="_x0000_s54299" name="VISIO" r:id="rId6" imgW="1990080" imgH="847080" progId="Visio.Drawing.6">
+                <p:oleObj spid="_x0000_s54301" name="VISIO" r:id="rId6" imgW="1990080" imgH="847080" progId="Visio.Drawing.6">
                   <p:embed/>
                 </p:oleObj>
               </mc:Choice>
@@ -22480,7 +22508,7 @@
           <a:graphicData uri="http://schemas.openxmlformats.org/presentationml/2006/ole">
             <mc:AlternateContent xmlns:mc="http://schemas.openxmlformats.org/markup-compatibility/2006">
               <mc:Choice xmlns:v="urn:schemas-microsoft-com:vml" Requires="v">
-                <p:oleObj spid="_x0000_s76827" name="VISIO" r:id="rId5" imgW="2235960" imgH="2709000" progId="Visio.Drawing.6">
+                <p:oleObj spid="_x0000_s76829" name="VISIO" r:id="rId5" imgW="2235960" imgH="2709000" progId="Visio.Drawing.6">
                   <p:embed/>
                 </p:oleObj>
               </mc:Choice>
@@ -22628,7 +22656,7 @@
           <a:graphicData uri="http://schemas.openxmlformats.org/presentationml/2006/ole">
             <mc:AlternateContent xmlns:mc="http://schemas.openxmlformats.org/markup-compatibility/2006">
               <mc:Choice xmlns:v="urn:schemas-microsoft-com:vml" Requires="v">
-                <p:oleObj spid="_x0000_s79899" name="VISIO" r:id="rId5" imgW="2235960" imgH="2709000" progId="Visio.Drawing.6">
+                <p:oleObj spid="_x0000_s79901" name="VISIO" r:id="rId5" imgW="2235960" imgH="2709000" progId="Visio.Drawing.6">
                   <p:embed/>
                 </p:oleObj>
               </mc:Choice>
@@ -22770,7 +22798,7 @@
           <a:graphicData uri="http://schemas.openxmlformats.org/presentationml/2006/ole">
             <mc:AlternateContent xmlns:mc="http://schemas.openxmlformats.org/markup-compatibility/2006">
               <mc:Choice xmlns:v="urn:schemas-microsoft-com:vml" Requires="v">
-                <p:oleObj spid="_x0000_s120852" name="VISIO" r:id="rId5" imgW="2235960" imgH="2709000" progId="Visio.Drawing.6">
+                <p:oleObj spid="_x0000_s120854" name="VISIO" r:id="rId5" imgW="2235960" imgH="2709000" progId="Visio.Drawing.6">
                   <p:embed/>
                 </p:oleObj>
               </mc:Choice>
@@ -22912,7 +22940,7 @@
           <a:graphicData uri="http://schemas.openxmlformats.org/presentationml/2006/ole">
             <mc:AlternateContent xmlns:mc="http://schemas.openxmlformats.org/markup-compatibility/2006">
               <mc:Choice xmlns:v="urn:schemas-microsoft-com:vml" Requires="v">
-                <p:oleObj spid="_x0000_s121876" name="VISIO" r:id="rId5" imgW="2235960" imgH="2709000" progId="Visio.Drawing.6">
+                <p:oleObj spid="_x0000_s121878" name="VISIO" r:id="rId5" imgW="2235960" imgH="2709000" progId="Visio.Drawing.6">
                   <p:embed/>
                 </p:oleObj>
               </mc:Choice>
@@ -23125,7 +23153,7 @@
           <a:graphicData uri="http://schemas.openxmlformats.org/presentationml/2006/ole">
             <mc:AlternateContent xmlns:mc="http://schemas.openxmlformats.org/markup-compatibility/2006">
               <mc:Choice xmlns:v="urn:schemas-microsoft-com:vml" Requires="v">
-                <p:oleObj spid="_x0000_s80923" name="VISIO" r:id="rId12" imgW="3041640" imgH="1914480" progId="Visio.Drawing.6">
+                <p:oleObj spid="_x0000_s80925" name="VISIO" r:id="rId12" imgW="3041640" imgH="1914480" progId="Visio.Drawing.6">
                   <p:embed/>
                 </p:oleObj>
               </mc:Choice>
@@ -23818,7 +23846,7 @@
           <a:graphicData uri="http://schemas.openxmlformats.org/presentationml/2006/ole">
             <mc:AlternateContent xmlns:mc="http://schemas.openxmlformats.org/markup-compatibility/2006">
               <mc:Choice xmlns:v="urn:schemas-microsoft-com:vml" Requires="v">
-                <p:oleObj spid="_x0000_s81946" name="VISIO" r:id="rId6" imgW="3120840" imgH="915480" progId="Visio.Drawing.6">
+                <p:oleObj spid="_x0000_s81948" name="VISIO" r:id="rId6" imgW="3120840" imgH="915480" progId="Visio.Drawing.6">
                   <p:embed/>
                 </p:oleObj>
               </mc:Choice>
@@ -23999,7 +24027,7 @@
           <a:graphicData uri="http://schemas.openxmlformats.org/presentationml/2006/ole">
             <mc:AlternateContent xmlns:mc="http://schemas.openxmlformats.org/markup-compatibility/2006">
               <mc:Choice xmlns:v="urn:schemas-microsoft-com:vml" Requires="v">
-                <p:oleObj spid="_x0000_s122915" name="VISIO" r:id="rId7" imgW="1873440" imgH="2105640" progId="Visio.Drawing.6">
+                <p:oleObj spid="_x0000_s122918" name="VISIO" r:id="rId7" imgW="1873440" imgH="2105640" progId="Visio.Drawing.6">
                   <p:embed/>
                 </p:oleObj>
               </mc:Choice>
@@ -24096,7 +24124,7 @@
           <a:graphicData uri="http://schemas.openxmlformats.org/presentationml/2006/ole">
             <mc:AlternateContent xmlns:mc="http://schemas.openxmlformats.org/markup-compatibility/2006">
               <mc:Choice xmlns:v="urn:schemas-microsoft-com:vml" Requires="v">
-                <p:oleObj spid="_x0000_s122916" name="VISIO" r:id="rId9" imgW="1405800" imgH="1177920" progId="Visio.Drawing.6">
+                <p:oleObj spid="_x0000_s122919" name="VISIO" r:id="rId9" imgW="1405800" imgH="1177920" progId="Visio.Drawing.6">
                   <p:embed/>
                 </p:oleObj>
               </mc:Choice>
@@ -24320,7 +24348,7 @@
           <a:graphicData uri="http://schemas.openxmlformats.org/presentationml/2006/ole">
             <mc:AlternateContent xmlns:mc="http://schemas.openxmlformats.org/markup-compatibility/2006">
               <mc:Choice xmlns:v="urn:schemas-microsoft-com:vml" Requires="v">
-                <p:oleObj spid="_x0000_s123939" name="VISIO" r:id="rId7" imgW="1873440" imgH="2105640" progId="Visio.Drawing.6">
+                <p:oleObj spid="_x0000_s123942" name="VISIO" r:id="rId7" imgW="1873440" imgH="2105640" progId="Visio.Drawing.6">
                   <p:embed/>
                 </p:oleObj>
               </mc:Choice>
@@ -24423,7 +24451,7 @@
           <a:graphicData uri="http://schemas.openxmlformats.org/presentationml/2006/ole">
             <mc:AlternateContent xmlns:mc="http://schemas.openxmlformats.org/markup-compatibility/2006">
               <mc:Choice xmlns:v="urn:schemas-microsoft-com:vml" Requires="v">
-                <p:oleObj spid="_x0000_s123940" name="VISIO" r:id="rId9" imgW="1405800" imgH="1177920" progId="Visio.Drawing.6">
+                <p:oleObj spid="_x0000_s123943" name="VISIO" r:id="rId9" imgW="1405800" imgH="1177920" progId="Visio.Drawing.6">
                   <p:embed/>
                 </p:oleObj>
               </mc:Choice>
@@ -24647,7 +24675,7 @@
           <a:graphicData uri="http://schemas.openxmlformats.org/presentationml/2006/ole">
             <mc:AlternateContent xmlns:mc="http://schemas.openxmlformats.org/markup-compatibility/2006">
               <mc:Choice xmlns:v="urn:schemas-microsoft-com:vml" Requires="v">
-                <p:oleObj spid="_x0000_s85041" name="VISIO" r:id="rId6" imgW="1873440" imgH="2105640" progId="Visio.Drawing.6">
+                <p:oleObj spid="_x0000_s85044" name="VISIO" r:id="rId6" imgW="1873440" imgH="2105640" progId="Visio.Drawing.6">
                   <p:embed/>
                 </p:oleObj>
               </mc:Choice>
@@ -24750,7 +24778,7 @@
           <a:graphicData uri="http://schemas.openxmlformats.org/presentationml/2006/ole">
             <mc:AlternateContent xmlns:mc="http://schemas.openxmlformats.org/markup-compatibility/2006">
               <mc:Choice xmlns:v="urn:schemas-microsoft-com:vml" Requires="v">
-                <p:oleObj spid="_x0000_s85042" name="VISIO" r:id="rId8" imgW="1200240" imgH="1154520" progId="Visio.Drawing.6">
+                <p:oleObj spid="_x0000_s85045" name="VISIO" r:id="rId8" imgW="1200240" imgH="1154520" progId="Visio.Drawing.6">
                   <p:embed/>
                 </p:oleObj>
               </mc:Choice>
@@ -24997,7 +25025,7 @@
           <a:graphicData uri="http://schemas.openxmlformats.org/presentationml/2006/ole">
             <mc:AlternateContent xmlns:mc="http://schemas.openxmlformats.org/markup-compatibility/2006">
               <mc:Choice xmlns:v="urn:schemas-microsoft-com:vml" Requires="v">
-                <p:oleObj spid="_x0000_s55323" name="VISIO" r:id="rId6" imgW="1890000" imgH="504000" progId="Visio.Drawing.6">
+                <p:oleObj spid="_x0000_s55325" name="VISIO" r:id="rId6" imgW="1890000" imgH="504000" progId="Visio.Drawing.6">
                   <p:embed/>
                 </p:oleObj>
               </mc:Choice>
@@ -25177,7 +25205,7 @@
           <a:graphicData uri="http://schemas.openxmlformats.org/presentationml/2006/ole">
             <mc:AlternateContent xmlns:mc="http://schemas.openxmlformats.org/markup-compatibility/2006">
               <mc:Choice xmlns:v="urn:schemas-microsoft-com:vml" Requires="v">
-                <p:oleObj spid="_x0000_s86065" name="VISIO" r:id="rId6" imgW="1873440" imgH="2105640" progId="Visio.Drawing.6">
+                <p:oleObj spid="_x0000_s86068" name="VISIO" r:id="rId6" imgW="1873440" imgH="2105640" progId="Visio.Drawing.6">
                   <p:embed/>
                 </p:oleObj>
               </mc:Choice>
@@ -25280,7 +25308,7 @@
           <a:graphicData uri="http://schemas.openxmlformats.org/presentationml/2006/ole">
             <mc:AlternateContent xmlns:mc="http://schemas.openxmlformats.org/markup-compatibility/2006">
               <mc:Choice xmlns:v="urn:schemas-microsoft-com:vml" Requires="v">
-                <p:oleObj spid="_x0000_s86066" name="VISIO" r:id="rId8" imgW="1913040" imgH="884520" progId="Visio.Drawing.6">
+                <p:oleObj spid="_x0000_s86069" name="VISIO" r:id="rId8" imgW="1913040" imgH="884520" progId="Visio.Drawing.6">
                   <p:embed/>
                 </p:oleObj>
               </mc:Choice>
@@ -25638,7 +25666,7 @@
           <a:graphicData uri="http://schemas.openxmlformats.org/presentationml/2006/ole">
             <mc:AlternateContent xmlns:mc="http://schemas.openxmlformats.org/markup-compatibility/2006">
               <mc:Choice xmlns:v="urn:schemas-microsoft-com:vml" Requires="v">
-                <p:oleObj spid="_x0000_s87067" name="VISIO" r:id="rId6" imgW="1057320" imgH="607320" progId="Visio.Drawing.6">
+                <p:oleObj spid="_x0000_s87069" name="VISIO" r:id="rId6" imgW="1057320" imgH="607320" progId="Visio.Drawing.6">
                   <p:embed/>
                 </p:oleObj>
               </mc:Choice>
@@ -25894,7 +25922,7 @@
           <a:graphicData uri="http://schemas.openxmlformats.org/presentationml/2006/ole">
             <mc:AlternateContent xmlns:mc="http://schemas.openxmlformats.org/markup-compatibility/2006">
               <mc:Choice xmlns:v="urn:schemas-microsoft-com:vml" Requires="v">
-                <p:oleObj spid="_x0000_s88090" name="VISIO" r:id="rId6" imgW="828720" imgH="1305720" progId="Visio.Drawing.6">
+                <p:oleObj spid="_x0000_s88092" name="VISIO" r:id="rId6" imgW="828720" imgH="1305720" progId="Visio.Drawing.6">
                   <p:embed/>
                 </p:oleObj>
               </mc:Choice>
@@ -26107,7 +26135,7 @@
           <a:graphicData uri="http://schemas.openxmlformats.org/presentationml/2006/ole">
             <mc:AlternateContent xmlns:mc="http://schemas.openxmlformats.org/markup-compatibility/2006">
               <mc:Choice xmlns:v="urn:schemas-microsoft-com:vml" Requires="v">
-                <p:oleObj spid="_x0000_s89114" name="VISIO" r:id="rId6" imgW="1143000" imgH="2238120" progId="Visio.Drawing.6">
+                <p:oleObj spid="_x0000_s89116" name="VISIO" r:id="rId6" imgW="1143000" imgH="2238120" progId="Visio.Drawing.6">
                   <p:embed/>
                 </p:oleObj>
               </mc:Choice>
@@ -26341,7 +26369,7 @@
           <a:graphicData uri="http://schemas.openxmlformats.org/presentationml/2006/ole">
             <mc:AlternateContent xmlns:mc="http://schemas.openxmlformats.org/markup-compatibility/2006">
               <mc:Choice xmlns:v="urn:schemas-microsoft-com:vml" Requires="v">
-                <p:oleObj spid="_x0000_s90138" name="VISIO" r:id="rId7" imgW="4889520" imgH="1274760" progId="Visio.Drawing.6">
+                <p:oleObj spid="_x0000_s90140" name="VISIO" r:id="rId7" imgW="4889520" imgH="1274760" progId="Visio.Drawing.6">
                   <p:embed/>
                 </p:oleObj>
               </mc:Choice>
@@ -26546,7 +26574,7 @@
           <a:graphicData uri="http://schemas.openxmlformats.org/presentationml/2006/ole">
             <mc:AlternateContent xmlns:mc="http://schemas.openxmlformats.org/markup-compatibility/2006">
               <mc:Choice xmlns:v="urn:schemas-microsoft-com:vml" Requires="v">
-                <p:oleObj spid="_x0000_s91185" name="VISIO" r:id="rId9" imgW="1746000" imgH="1060200" progId="Visio.Drawing.6">
+                <p:oleObj spid="_x0000_s91188" name="VISIO" r:id="rId9" imgW="1746000" imgH="1060200" progId="Visio.Drawing.6">
                   <p:embed/>
                 </p:oleObj>
               </mc:Choice>
@@ -26616,7 +26644,7 @@
           <a:graphicData uri="http://schemas.openxmlformats.org/presentationml/2006/ole">
             <mc:AlternateContent xmlns:mc="http://schemas.openxmlformats.org/markup-compatibility/2006">
               <mc:Choice xmlns:v="urn:schemas-microsoft-com:vml" Requires="v">
-                <p:oleObj spid="_x0000_s91186" name="VISIO" r:id="rId11" imgW="948960" imgH="1174680" progId="Visio.Drawing.6">
+                <p:oleObj spid="_x0000_s91189" name="VISIO" r:id="rId11" imgW="948960" imgH="1174680" progId="Visio.Drawing.6">
                   <p:embed/>
                 </p:oleObj>
               </mc:Choice>
@@ -27124,7 +27152,7 @@
           <a:graphicData uri="http://schemas.openxmlformats.org/presentationml/2006/ole">
             <mc:AlternateContent xmlns:mc="http://schemas.openxmlformats.org/markup-compatibility/2006">
               <mc:Choice xmlns:v="urn:schemas-microsoft-com:vml" Requires="v">
-                <p:oleObj spid="_x0000_s92209" name="VISIO" r:id="rId6" imgW="1746000" imgH="1060200" progId="Visio.Drawing.6">
+                <p:oleObj spid="_x0000_s92212" name="VISIO" r:id="rId6" imgW="1746000" imgH="1060200" progId="Visio.Drawing.6">
                   <p:embed/>
                 </p:oleObj>
               </mc:Choice>
@@ -27227,7 +27255,7 @@
           <a:graphicData uri="http://schemas.openxmlformats.org/presentationml/2006/ole">
             <mc:AlternateContent xmlns:mc="http://schemas.openxmlformats.org/markup-compatibility/2006">
               <mc:Choice xmlns:v="urn:schemas-microsoft-com:vml" Requires="v">
-                <p:oleObj spid="_x0000_s92210" name="VISIO" r:id="rId8" imgW="3017880" imgH="1368000" progId="Visio.Drawing.6">
+                <p:oleObj spid="_x0000_s92213" name="VISIO" r:id="rId8" imgW="3017880" imgH="1368000" progId="Visio.Drawing.6">
                   <p:embed/>
                 </p:oleObj>
               </mc:Choice>
@@ -27368,7 +27396,7 @@
           <a:graphicData uri="http://schemas.openxmlformats.org/presentationml/2006/ole">
             <mc:AlternateContent xmlns:mc="http://schemas.openxmlformats.org/markup-compatibility/2006">
               <mc:Choice xmlns:v="urn:schemas-microsoft-com:vml" Requires="v">
-                <p:oleObj spid="_x0000_s93233" name="VISIO" r:id="rId9" imgW="1746000" imgH="1060200" progId="Visio.Drawing.6">
+                <p:oleObj spid="_x0000_s93236" name="VISIO" r:id="rId9" imgW="1746000" imgH="1060200" progId="Visio.Drawing.6">
                   <p:embed/>
                 </p:oleObj>
               </mc:Choice>
@@ -27471,7 +27499,7 @@
           <a:graphicData uri="http://schemas.openxmlformats.org/presentationml/2006/ole">
             <mc:AlternateContent xmlns:mc="http://schemas.openxmlformats.org/markup-compatibility/2006">
               <mc:Choice xmlns:v="urn:schemas-microsoft-com:vml" Requires="v">
-                <p:oleObj spid="_x0000_s93234" name="VISIO" r:id="rId11" imgW="3017880" imgH="1368000" progId="Visio.Drawing.6">
+                <p:oleObj spid="_x0000_s93237" name="VISIO" r:id="rId11" imgW="3017880" imgH="1368000" progId="Visio.Drawing.6">
                   <p:embed/>
                 </p:oleObj>
               </mc:Choice>
@@ -28813,7 +28841,7 @@
           <a:graphicData uri="http://schemas.openxmlformats.org/presentationml/2006/ole">
             <mc:AlternateContent xmlns:mc="http://schemas.openxmlformats.org/markup-compatibility/2006">
               <mc:Choice xmlns:v="urn:schemas-microsoft-com:vml" Requires="v">
-                <p:oleObj spid="_x0000_s56347" name="VISIO" r:id="rId6" imgW="834840" imgH="549000" progId="Visio.Drawing.6">
+                <p:oleObj spid="_x0000_s56349" name="VISIO" r:id="rId6" imgW="834840" imgH="549000" progId="Visio.Drawing.6">
                   <p:embed/>
                 </p:oleObj>
               </mc:Choice>
@@ -28993,7 +29021,7 @@
           <a:graphicData uri="http://schemas.openxmlformats.org/presentationml/2006/ole">
             <mc:AlternateContent xmlns:mc="http://schemas.openxmlformats.org/markup-compatibility/2006">
               <mc:Choice xmlns:v="urn:schemas-microsoft-com:vml" Requires="v">
-                <p:oleObj spid="_x0000_s94257" name="VISIO" r:id="rId6" imgW="1732320" imgH="1988280" progId="Visio.Drawing.6">
+                <p:oleObj spid="_x0000_s94260" name="VISIO" r:id="rId6" imgW="1732320" imgH="1988280" progId="Visio.Drawing.6">
                   <p:embed/>
                 </p:oleObj>
               </mc:Choice>
@@ -29096,7 +29124,7 @@
           <a:graphicData uri="http://schemas.openxmlformats.org/presentationml/2006/ole">
             <mc:AlternateContent xmlns:mc="http://schemas.openxmlformats.org/markup-compatibility/2006">
               <mc:Choice xmlns:v="urn:schemas-microsoft-com:vml" Requires="v">
-                <p:oleObj spid="_x0000_s94258" name="VISIO" r:id="rId8" imgW="1177560" imgH="2089080" progId="Visio.Drawing.6">
+                <p:oleObj spid="_x0000_s94261" name="VISIO" r:id="rId8" imgW="1177560" imgH="2089080" progId="Visio.Drawing.6">
                   <p:embed/>
                 </p:oleObj>
               </mc:Choice>
@@ -29270,7 +29298,7 @@
           <a:graphicData uri="http://schemas.openxmlformats.org/presentationml/2006/ole">
             <mc:AlternateContent xmlns:mc="http://schemas.openxmlformats.org/markup-compatibility/2006">
               <mc:Choice xmlns:v="urn:schemas-microsoft-com:vml" Requires="v">
-                <p:oleObj spid="_x0000_s95281" name="VISIO" r:id="rId6" imgW="1732320" imgH="1988280" progId="Visio.Drawing.6">
+                <p:oleObj spid="_x0000_s95284" name="VISIO" r:id="rId6" imgW="1732320" imgH="1988280" progId="Visio.Drawing.6">
                   <p:embed/>
                 </p:oleObj>
               </mc:Choice>
@@ -29373,7 +29401,7 @@
           <a:graphicData uri="http://schemas.openxmlformats.org/presentationml/2006/ole">
             <mc:AlternateContent xmlns:mc="http://schemas.openxmlformats.org/markup-compatibility/2006">
               <mc:Choice xmlns:v="urn:schemas-microsoft-com:vml" Requires="v">
-                <p:oleObj spid="_x0000_s95282" name="VISIO" r:id="rId8" imgW="1177560" imgH="2089080" progId="Visio.Drawing.6">
+                <p:oleObj spid="_x0000_s95285" name="VISIO" r:id="rId8" imgW="1177560" imgH="2089080" progId="Visio.Drawing.6">
                   <p:embed/>
                 </p:oleObj>
               </mc:Choice>
@@ -29547,7 +29575,7 @@
           <a:graphicData uri="http://schemas.openxmlformats.org/presentationml/2006/ole">
             <mc:AlternateContent xmlns:mc="http://schemas.openxmlformats.org/markup-compatibility/2006">
               <mc:Choice xmlns:v="urn:schemas-microsoft-com:vml" Requires="v">
-                <p:oleObj spid="_x0000_s96305" name="VISIO" r:id="rId6" imgW="1732320" imgH="1988280" progId="Visio.Drawing.6">
+                <p:oleObj spid="_x0000_s96308" name="VISIO" r:id="rId6" imgW="1732320" imgH="1988280" progId="Visio.Drawing.6">
                   <p:embed/>
                 </p:oleObj>
               </mc:Choice>
@@ -29650,7 +29678,7 @@
           <a:graphicData uri="http://schemas.openxmlformats.org/presentationml/2006/ole">
             <mc:AlternateContent xmlns:mc="http://schemas.openxmlformats.org/markup-compatibility/2006">
               <mc:Choice xmlns:v="urn:schemas-microsoft-com:vml" Requires="v">
-                <p:oleObj spid="_x0000_s96306" name="VISIO" r:id="rId8" imgW="1177560" imgH="2089080" progId="Visio.Drawing.6">
+                <p:oleObj spid="_x0000_s96309" name="VISIO" r:id="rId8" imgW="1177560" imgH="2089080" progId="Visio.Drawing.6">
                   <p:embed/>
                 </p:oleObj>
               </mc:Choice>
@@ -29824,7 +29852,7 @@
           <a:graphicData uri="http://schemas.openxmlformats.org/presentationml/2006/ole">
             <mc:AlternateContent xmlns:mc="http://schemas.openxmlformats.org/markup-compatibility/2006">
               <mc:Choice xmlns:v="urn:schemas-microsoft-com:vml" Requires="v">
-                <p:oleObj spid="_x0000_s99377" name="VISIO" r:id="rId6" imgW="1177560" imgH="2089080" progId="Visio.Drawing.6">
+                <p:oleObj spid="_x0000_s99380" name="VISIO" r:id="rId6" imgW="1177560" imgH="2089080" progId="Visio.Drawing.6">
                   <p:embed/>
                 </p:oleObj>
               </mc:Choice>
@@ -29927,7 +29955,7 @@
           <a:graphicData uri="http://schemas.openxmlformats.org/presentationml/2006/ole">
             <mc:AlternateContent xmlns:mc="http://schemas.openxmlformats.org/markup-compatibility/2006">
               <mc:Choice xmlns:v="urn:schemas-microsoft-com:vml" Requires="v">
-                <p:oleObj spid="_x0000_s99378" name="VISIO" r:id="rId8" imgW="1732320" imgH="1988280" progId="Visio.Drawing.6">
+                <p:oleObj spid="_x0000_s99381" name="VISIO" r:id="rId8" imgW="1732320" imgH="1988280" progId="Visio.Drawing.6">
                   <p:embed/>
                 </p:oleObj>
               </mc:Choice>
@@ -30095,7 +30123,7 @@
           <a:graphicData uri="http://schemas.openxmlformats.org/presentationml/2006/ole">
             <mc:AlternateContent xmlns:mc="http://schemas.openxmlformats.org/markup-compatibility/2006">
               <mc:Choice xmlns:v="urn:schemas-microsoft-com:vml" Requires="v">
-                <p:oleObj spid="_x0000_s124961" name="VISIO" r:id="rId6" imgW="1177560" imgH="2089080" progId="Visio.Drawing.6">
+                <p:oleObj spid="_x0000_s124964" name="VISIO" r:id="rId6" imgW="1177560" imgH="2089080" progId="Visio.Drawing.6">
                   <p:embed/>
                 </p:oleObj>
               </mc:Choice>
@@ -30198,7 +30226,7 @@
           <a:graphicData uri="http://schemas.openxmlformats.org/presentationml/2006/ole">
             <mc:AlternateContent xmlns:mc="http://schemas.openxmlformats.org/markup-compatibility/2006">
               <mc:Choice xmlns:v="urn:schemas-microsoft-com:vml" Requires="v">
-                <p:oleObj spid="_x0000_s124962" name="VISIO" r:id="rId8" imgW="1732320" imgH="1988280" progId="Visio.Drawing.6">
+                <p:oleObj spid="_x0000_s124965" name="VISIO" r:id="rId8" imgW="1732320" imgH="1988280" progId="Visio.Drawing.6">
                   <p:embed/>
                 </p:oleObj>
               </mc:Choice>
@@ -30366,7 +30394,7 @@
           <a:graphicData uri="http://schemas.openxmlformats.org/presentationml/2006/ole">
             <mc:AlternateContent xmlns:mc="http://schemas.openxmlformats.org/markup-compatibility/2006">
               <mc:Choice xmlns:v="urn:schemas-microsoft-com:vml" Requires="v">
-                <p:oleObj spid="_x0000_s125985" name="VISIO" r:id="rId6" imgW="1177560" imgH="2089080" progId="Visio.Drawing.6">
+                <p:oleObj spid="_x0000_s125988" name="VISIO" r:id="rId6" imgW="1177560" imgH="2089080" progId="Visio.Drawing.6">
                   <p:embed/>
                 </p:oleObj>
               </mc:Choice>
@@ -30469,7 +30497,7 @@
           <a:graphicData uri="http://schemas.openxmlformats.org/presentationml/2006/ole">
             <mc:AlternateContent xmlns:mc="http://schemas.openxmlformats.org/markup-compatibility/2006">
               <mc:Choice xmlns:v="urn:schemas-microsoft-com:vml" Requires="v">
-                <p:oleObj spid="_x0000_s125986" name="VISIO" r:id="rId8" imgW="1732320" imgH="1988280" progId="Visio.Drawing.6">
+                <p:oleObj spid="_x0000_s125989" name="VISIO" r:id="rId8" imgW="1732320" imgH="1988280" progId="Visio.Drawing.6">
                   <p:embed/>
                 </p:oleObj>
               </mc:Choice>
@@ -30866,7 +30894,7 @@
           <a:graphicData uri="http://schemas.openxmlformats.org/presentationml/2006/ole">
             <mc:AlternateContent xmlns:mc="http://schemas.openxmlformats.org/markup-compatibility/2006">
               <mc:Choice xmlns:v="urn:schemas-microsoft-com:vml" Requires="v">
-                <p:oleObj spid="_x0000_s101402" name="VISIO" r:id="rId5" imgW="1517400" imgH="1942200" progId="Visio.Drawing.6">
+                <p:oleObj spid="_x0000_s101404" name="VISIO" r:id="rId5" imgW="1517400" imgH="1942200" progId="Visio.Drawing.6">
                   <p:embed/>
                 </p:oleObj>
               </mc:Choice>
@@ -31035,7 +31063,7 @@
           <a:graphicData uri="http://schemas.openxmlformats.org/presentationml/2006/ole">
             <mc:AlternateContent xmlns:mc="http://schemas.openxmlformats.org/markup-compatibility/2006">
               <mc:Choice xmlns:v="urn:schemas-microsoft-com:vml" Requires="v">
-                <p:oleObj spid="_x0000_s102449" name="VISIO" r:id="rId8" imgW="942840" imgH="1221480" progId="Visio.Drawing.6">
+                <p:oleObj spid="_x0000_s102452" name="VISIO" r:id="rId8" imgW="942840" imgH="1221480" progId="Visio.Drawing.6">
                   <p:embed/>
                 </p:oleObj>
               </mc:Choice>
@@ -31138,7 +31166,7 @@
           <a:graphicData uri="http://schemas.openxmlformats.org/presentationml/2006/ole">
             <mc:AlternateContent xmlns:mc="http://schemas.openxmlformats.org/markup-compatibility/2006">
               <mc:Choice xmlns:v="urn:schemas-microsoft-com:vml" Requires="v">
-                <p:oleObj spid="_x0000_s102450" name="VISIO" r:id="rId10" imgW="1774800" imgH="2914560" progId="Visio.Drawing.6">
+                <p:oleObj spid="_x0000_s102453" name="VISIO" r:id="rId10" imgW="1774800" imgH="2914560" progId="Visio.Drawing.6">
                   <p:embed/>
                 </p:oleObj>
               </mc:Choice>
@@ -31433,7 +31461,7 @@
           <a:graphicData uri="http://schemas.openxmlformats.org/presentationml/2006/ole">
             <mc:AlternateContent xmlns:mc="http://schemas.openxmlformats.org/markup-compatibility/2006">
               <mc:Choice xmlns:v="urn:schemas-microsoft-com:vml" Requires="v">
-                <p:oleObj spid="_x0000_s103450" name="VISIO" r:id="rId6" imgW="772920" imgH="1583640" progId="Visio.Drawing.6">
+                <p:oleObj spid="_x0000_s103452" name="VISIO" r:id="rId6" imgW="772920" imgH="1583640" progId="Visio.Drawing.6">
                   <p:embed/>
                 </p:oleObj>
               </mc:Choice>
@@ -31789,7 +31817,7 @@
           <a:graphicData uri="http://schemas.openxmlformats.org/presentationml/2006/ole">
             <mc:AlternateContent xmlns:mc="http://schemas.openxmlformats.org/markup-compatibility/2006">
               <mc:Choice xmlns:v="urn:schemas-microsoft-com:vml" Requires="v">
-                <p:oleObj spid="_x0000_s57371" name="VISIO" r:id="rId6" imgW="1247040" imgH="805320" progId="Visio.Drawing.6">
+                <p:oleObj spid="_x0000_s57373" name="VISIO" r:id="rId6" imgW="1247040" imgH="805320" progId="Visio.Drawing.6">
                   <p:embed/>
                 </p:oleObj>
               </mc:Choice>
@@ -31942,7 +31970,7 @@
           <a:graphicData uri="http://schemas.openxmlformats.org/presentationml/2006/ole">
             <mc:AlternateContent xmlns:mc="http://schemas.openxmlformats.org/markup-compatibility/2006">
               <mc:Choice xmlns:v="urn:schemas-microsoft-com:vml" Requires="v">
-                <p:oleObj spid="_x0000_s104474" name="VISIO" r:id="rId6" imgW="2322360" imgH="697320" progId="Visio.Drawing.6">
+                <p:oleObj spid="_x0000_s104476" name="VISIO" r:id="rId6" imgW="2322360" imgH="697320" progId="Visio.Drawing.6">
                   <p:embed/>
                 </p:oleObj>
               </mc:Choice>
@@ -32198,7 +32226,7 @@
           <a:graphicData uri="http://schemas.openxmlformats.org/presentationml/2006/ole">
             <mc:AlternateContent xmlns:mc="http://schemas.openxmlformats.org/markup-compatibility/2006">
               <mc:Choice xmlns:v="urn:schemas-microsoft-com:vml" Requires="v">
-                <p:oleObj spid="_x0000_s105498" name="VISIO" r:id="rId6" imgW="1422000" imgH="1693800" progId="Visio.Drawing.6">
+                <p:oleObj spid="_x0000_s105500" name="VISIO" r:id="rId6" imgW="1422000" imgH="1693800" progId="Visio.Drawing.6">
                   <p:embed/>
                 </p:oleObj>
               </mc:Choice>
@@ -32458,7 +32486,7 @@
           <a:graphicData uri="http://schemas.openxmlformats.org/presentationml/2006/ole">
             <mc:AlternateContent xmlns:mc="http://schemas.openxmlformats.org/markup-compatibility/2006">
               <mc:Choice xmlns:v="urn:schemas-microsoft-com:vml" Requires="v">
-                <p:oleObj spid="_x0000_s106522" name="VISIO" r:id="rId5" imgW="1872000" imgH="2011680" progId="Visio.Drawing.6">
+                <p:oleObj spid="_x0000_s106524" name="VISIO" r:id="rId5" imgW="1872000" imgH="2011680" progId="Visio.Drawing.6">
                   <p:embed/>
                 </p:oleObj>
               </mc:Choice>
@@ -32604,7 +32632,7 @@
           <a:graphicData uri="http://schemas.openxmlformats.org/presentationml/2006/ole">
             <mc:AlternateContent xmlns:mc="http://schemas.openxmlformats.org/markup-compatibility/2006">
               <mc:Choice xmlns:v="urn:schemas-microsoft-com:vml" Requires="v">
-                <p:oleObj spid="_x0000_s107545" name="VISIO" r:id="rId6" imgW="1443240" imgH="1350720" progId="Visio.Drawing.6">
+                <p:oleObj spid="_x0000_s107547" name="VISIO" r:id="rId6" imgW="1443240" imgH="1350720" progId="Visio.Drawing.6">
                   <p:embed/>
                 </p:oleObj>
               </mc:Choice>
@@ -32831,7 +32859,7 @@
           <a:graphicData uri="http://schemas.openxmlformats.org/presentationml/2006/ole">
             <mc:AlternateContent xmlns:mc="http://schemas.openxmlformats.org/markup-compatibility/2006">
               <mc:Choice xmlns:v="urn:schemas-microsoft-com:vml" Requires="v">
-                <p:oleObj spid="_x0000_s108570" name="VISIO" r:id="rId6" imgW="1735560" imgH="1603080" progId="Visio.Drawing.6">
+                <p:oleObj spid="_x0000_s108572" name="VISIO" r:id="rId6" imgW="1735560" imgH="1603080" progId="Visio.Drawing.6">
                   <p:embed/>
                 </p:oleObj>
               </mc:Choice>
@@ -33096,7 +33124,7 @@
           <a:graphicData uri="http://schemas.openxmlformats.org/presentationml/2006/ole">
             <mc:AlternateContent xmlns:mc="http://schemas.openxmlformats.org/markup-compatibility/2006">
               <mc:Choice xmlns:v="urn:schemas-microsoft-com:vml" Requires="v">
-                <p:oleObj spid="_x0000_s109594" name="VISIO" r:id="rId6" imgW="1768320" imgH="1631880" progId="Visio.Drawing.6">
+                <p:oleObj spid="_x0000_s109596" name="VISIO" r:id="rId6" imgW="1768320" imgH="1631880" progId="Visio.Drawing.6">
                   <p:embed/>
                 </p:oleObj>
               </mc:Choice>
@@ -33832,7 +33860,7 @@
           <a:graphicData uri="http://schemas.openxmlformats.org/presentationml/2006/ole">
             <mc:AlternateContent xmlns:mc="http://schemas.openxmlformats.org/markup-compatibility/2006">
               <mc:Choice xmlns:v="urn:schemas-microsoft-com:vml" Requires="v">
-                <p:oleObj spid="_x0000_s110618" name="VISIO" r:id="rId7" imgW="2000160" imgH="1178640" progId="Visio.Drawing.6">
+                <p:oleObj spid="_x0000_s110620" name="VISIO" r:id="rId7" imgW="2000160" imgH="1178640" progId="Visio.Drawing.6">
                   <p:embed/>
                 </p:oleObj>
               </mc:Choice>
@@ -34699,7 +34727,7 @@
           <a:graphicData uri="http://schemas.openxmlformats.org/presentationml/2006/ole">
             <mc:AlternateContent xmlns:mc="http://schemas.openxmlformats.org/markup-compatibility/2006">
               <mc:Choice xmlns:v="urn:schemas-microsoft-com:vml" Requires="v">
-                <p:oleObj spid="_x0000_s111641" name="VISIO" r:id="rId7" imgW="2143080" imgH="2057400" progId="Visio.Drawing.6">
+                <p:oleObj spid="_x0000_s111643" name="VISIO" r:id="rId7" imgW="2143080" imgH="2057400" progId="Visio.Drawing.6">
                   <p:embed/>
                 </p:oleObj>
               </mc:Choice>
@@ -36403,7 +36431,7 @@
           <a:graphicData uri="http://schemas.openxmlformats.org/presentationml/2006/ole">
             <mc:AlternateContent xmlns:mc="http://schemas.openxmlformats.org/markup-compatibility/2006">
               <mc:Choice xmlns:v="urn:schemas-microsoft-com:vml" Requires="v">
-                <p:oleObj spid="_x0000_s112665" name="VISIO" r:id="rId5" imgW="2629080" imgH="2750400" progId="Visio.Drawing.6">
+                <p:oleObj spid="_x0000_s112667" name="VISIO" r:id="rId5" imgW="2629080" imgH="2750400" progId="Visio.Drawing.6">
                   <p:embed/>
                 </p:oleObj>
               </mc:Choice>
@@ -36576,7 +36604,7 @@
           <a:graphicData uri="http://schemas.openxmlformats.org/presentationml/2006/ole">
             <mc:AlternateContent xmlns:mc="http://schemas.openxmlformats.org/markup-compatibility/2006">
               <mc:Choice xmlns:v="urn:schemas-microsoft-com:vml" Requires="v">
-                <p:oleObj spid="_x0000_s113711" name="VISIO" r:id="rId7" imgW="1746000" imgH="1314360" progId="Visio.Drawing.6">
+                <p:oleObj spid="_x0000_s113714" name="VISIO" r:id="rId7" imgW="1746000" imgH="1314360" progId="Visio.Drawing.6">
                   <p:embed/>
                 </p:oleObj>
               </mc:Choice>
@@ -36679,7 +36707,7 @@
           <a:graphicData uri="http://schemas.openxmlformats.org/presentationml/2006/ole">
             <mc:AlternateContent xmlns:mc="http://schemas.openxmlformats.org/markup-compatibility/2006">
               <mc:Choice xmlns:v="urn:schemas-microsoft-com:vml" Requires="v">
-                <p:oleObj spid="_x0000_s113712" name="VISIO" r:id="rId9" imgW="2286000" imgH="1015200" progId="Visio.Drawing.6">
+                <p:oleObj spid="_x0000_s113715" name="VISIO" r:id="rId9" imgW="2286000" imgH="1015200" progId="Visio.Drawing.6">
                   <p:embed/>
                 </p:oleObj>
               </mc:Choice>
@@ -37882,7 +37910,7 @@
           <a:graphicData uri="http://schemas.openxmlformats.org/presentationml/2006/ole">
             <mc:AlternateContent xmlns:mc="http://schemas.openxmlformats.org/markup-compatibility/2006">
               <mc:Choice xmlns:v="urn:schemas-microsoft-com:vml" Requires="v">
-                <p:oleObj spid="_x0000_s58400" name="VISIO" r:id="rId7" imgW="1766520" imgH="808560" progId="Visio.Drawing.6">
+                <p:oleObj spid="_x0000_s58402" name="VISIO" r:id="rId7" imgW="1766520" imgH="808560" progId="Visio.Drawing.6">
                   <p:embed/>
                 </p:oleObj>
               </mc:Choice>
